--- a/chapter-01/04-multicontainerpods/01_04_multicontainerpods.pptx
+++ b/chapter-01/04-multicontainerpods/01_04_multicontainerpods.pptx
@@ -17,13 +17,12 @@
     <p:sldMasterId id="2147483674" r:id="rId13"/>
   </p:sldMasterIdLst>
   <p:notesMasterIdLst>
-    <p:notesMasterId r:id="rId18"/>
+    <p:notesMasterId r:id="rId17"/>
   </p:notesMasterIdLst>
   <p:sldIdLst>
     <p:sldId id="259" r:id="rId14"/>
-    <p:sldId id="298" r:id="rId15"/>
-    <p:sldId id="302" r:id="rId16"/>
-    <p:sldId id="296" r:id="rId17"/>
+    <p:sldId id="302" r:id="rId15"/>
+    <p:sldId id="296" r:id="rId16"/>
   </p:sldIdLst>
   <p:sldSz cx="12192000" cy="6858000"/>
   <p:notesSz cx="9144000" cy="6858000"/>
@@ -260,7 +259,7 @@
           <a:p>
             <a:fld id="{7C2A2C10-8C9F-9B42-9862-A5B84F1CAB8B}" type="datetimeFigureOut">
               <a:rPr lang="en-US" smtClean="0"/>
-              <a:t>4/12/2023</a:t>
+              <a:t>4/14/2023</a:t>
             </a:fld>
             <a:endParaRPr lang="en-US"/>
           </a:p>
@@ -15329,112 +15328,6 @@
       </p:grpSpPr>
       <p:sp>
         <p:nvSpPr>
-          <p:cNvPr id="8" name="Title 7">
-            <a:extLst>
-              <a:ext uri="{FF2B5EF4-FFF2-40B4-BE49-F238E27FC236}">
-                <a16:creationId xmlns:a16="http://schemas.microsoft.com/office/drawing/2014/main" id="{A93DAF4F-0A1C-410E-A765-4E8A25925712}"/>
-              </a:ext>
-            </a:extLst>
-          </p:cNvPr>
-          <p:cNvSpPr>
-            <a:spLocks noGrp="1"/>
-          </p:cNvSpPr>
-          <p:nvPr>
-            <p:ph type="title"/>
-          </p:nvPr>
-        </p:nvSpPr>
-        <p:spPr/>
-        <p:txBody>
-          <a:bodyPr/>
-          <a:lstStyle/>
-          <a:p>
-            <a:r>
-              <a:rPr lang="en-US" dirty="0"/>
-              <a:t>Multi-container pods</a:t>
-            </a:r>
-          </a:p>
-        </p:txBody>
-      </p:sp>
-      <p:sp>
-        <p:nvSpPr>
-          <p:cNvPr id="5" name="Text Placeholder 4">
-            <a:extLst>
-              <a:ext uri="{FF2B5EF4-FFF2-40B4-BE49-F238E27FC236}">
-                <a16:creationId xmlns:a16="http://schemas.microsoft.com/office/drawing/2014/main" id="{E3E8998F-E97E-4943-81F8-6FBA34AF4500}"/>
-              </a:ext>
-            </a:extLst>
-          </p:cNvPr>
-          <p:cNvSpPr>
-            <a:spLocks noGrp="1"/>
-          </p:cNvSpPr>
-          <p:nvPr>
-            <p:ph type="body" sz="quarter" idx="10"/>
-          </p:nvPr>
-        </p:nvSpPr>
-        <p:spPr/>
-        <p:txBody>
-          <a:bodyPr/>
-          <a:lstStyle/>
-          <a:p>
-            <a:r>
-              <a:rPr lang="en-US" dirty="0"/>
-              <a:t>When multiple containers need to work together​</a:t>
-            </a:r>
-          </a:p>
-          <a:p>
-            <a:pPr lvl="1"/>
-            <a:r>
-              <a:rPr lang="en-US" dirty="0"/>
-              <a:t>Provide a single, cohesive unit of functionality​</a:t>
-            </a:r>
-          </a:p>
-          <a:p>
-            <a:r>
-              <a:rPr lang="en-US" dirty="0"/>
-              <a:t>Containers share the same network namespace​</a:t>
-            </a:r>
-          </a:p>
-          <a:p>
-            <a:pPr lvl="1"/>
-            <a:r>
-              <a:rPr lang="en-US" dirty="0"/>
-              <a:t>Can communicate with each other</a:t>
-            </a:r>
-          </a:p>
-        </p:txBody>
-      </p:sp>
-    </p:spTree>
-    <p:extLst>
-      <p:ext uri="{BB962C8B-B14F-4D97-AF65-F5344CB8AC3E}">
-        <p14:creationId xmlns:p14="http://schemas.microsoft.com/office/powerpoint/2010/main" val="204766055"/>
-      </p:ext>
-    </p:extLst>
-  </p:cSld>
-  <p:clrMapOvr>
-    <a:masterClrMapping/>
-  </p:clrMapOvr>
-</p:sld>
-</file>
-
-<file path=ppt/slides/slide3.xml><?xml version="1.0" encoding="utf-8"?>
-<p:sld xmlns:a="http://schemas.openxmlformats.org/drawingml/2006/main" xmlns:r="http://schemas.openxmlformats.org/officeDocument/2006/relationships" xmlns:p="http://schemas.openxmlformats.org/presentationml/2006/main">
-  <p:cSld>
-    <p:spTree>
-      <p:nvGrpSpPr>
-        <p:cNvPr id="1" name=""/>
-        <p:cNvGrpSpPr/>
-        <p:nvPr/>
-      </p:nvGrpSpPr>
-      <p:grpSpPr>
-        <a:xfrm>
-          <a:off x="0" y="0"/>
-          <a:ext cx="0" cy="0"/>
-          <a:chOff x="0" y="0"/>
-          <a:chExt cx="0" cy="0"/>
-        </a:xfrm>
-      </p:grpSpPr>
-      <p:sp>
-        <p:nvSpPr>
           <p:cNvPr id="6" name="Title 5">
             <a:extLst>
               <a:ext uri="{FF2B5EF4-FFF2-40B4-BE49-F238E27FC236}">
@@ -15560,7 +15453,7 @@
 </p:sld>
 </file>
 
-<file path=ppt/slides/slide4.xml><?xml version="1.0" encoding="utf-8"?>
+<file path=ppt/slides/slide3.xml><?xml version="1.0" encoding="utf-8"?>
 <p:sld xmlns:a="http://schemas.openxmlformats.org/drawingml/2006/main" xmlns:r="http://schemas.openxmlformats.org/officeDocument/2006/relationships" xmlns:p="http://schemas.openxmlformats.org/presentationml/2006/main">
   <p:cSld>
     <p:spTree>

--- a/chapter-01/04-multicontainerpods/01_04_multicontainerpods.pptx
+++ b/chapter-01/04-multicontainerpods/01_04_multicontainerpods.pptx
@@ -259,7 +259,7 @@
           <a:p>
             <a:fld id="{7C2A2C10-8C9F-9B42-9862-A5B84F1CAB8B}" type="datetimeFigureOut">
               <a:rPr lang="en-US" smtClean="0"/>
-              <a:t>4/14/2023</a:t>
+              <a:t>4/15/2023</a:t>
             </a:fld>
             <a:endParaRPr lang="en-US"/>
           </a:p>
@@ -15521,15 +15521,19 @@
           <a:p>
             <a:r>
               <a:rPr lang="en-US" dirty="0"/>
-              <a:t>Fix the failing ‘</a:t>
+              <a:t>Fix the failing Pod named ‘</a:t>
             </a:r>
             <a:r>
               <a:rPr lang="en-US" dirty="0" err="1"/>
               <a:t>mymulticontainerpod</a:t>
             </a:r>
             <a:r>
-              <a:rPr lang="en-US" dirty="0"/>
-              <a:t>’ Pod deployed in the ‘chapter-01’ namespace</a:t>
+              <a:rPr lang="en-US"/>
+              <a:t>’ deployed </a:t>
+            </a:r>
+            <a:r>
+              <a:rPr lang="en-US" dirty="0"/>
+              <a:t>in the ‘chapter-01’ namespace</a:t>
             </a:r>
           </a:p>
         </p:txBody>
